--- a/HorizonSlide.pptx
+++ b/HorizonSlide.pptx
@@ -3586,6 +3586,28 @@
               <a:t>/</a:t>
             </a:r>
             <a:endParaRPr lang="en-US" dirty="0" smtClean="0"/>
+          </a:p>
+          <a:p>
+            <a:r>
+              <a:rPr lang="en-US" dirty="0" smtClean="0"/>
+              <a:t>Demo Code &amp; Slides</a:t>
+            </a:r>
+          </a:p>
+          <a:p>
+            <a:pPr lvl="1"/>
+            <a:r>
+              <a:rPr lang="en-US" dirty="0">
+                <a:hlinkClick r:id="rId4"/>
+              </a:rPr>
+              <a:t>https://github.com/mahopa/Horizon-</a:t>
+            </a:r>
+            <a:r>
+              <a:rPr lang="en-US" smtClean="0">
+                <a:hlinkClick r:id="rId4"/>
+              </a:rPr>
+              <a:t>ngHouston</a:t>
+            </a:r>
+            <a:endParaRPr lang="en-US" smtClean="0"/>
           </a:p>
         </p:txBody>
       </p:sp>

--- a/HorizonSlide.pptx
+++ b/HorizonSlide.pptx
@@ -13,10 +13,12 @@
     <p:sldId id="258" r:id="rId10"/>
     <p:sldId id="268" r:id="rId11"/>
     <p:sldId id="259" r:id="rId12"/>
-    <p:sldId id="267" r:id="rId13"/>
-    <p:sldId id="264" r:id="rId14"/>
-    <p:sldId id="261" r:id="rId15"/>
-    <p:sldId id="266" r:id="rId16"/>
+    <p:sldId id="270" r:id="rId13"/>
+    <p:sldId id="267" r:id="rId14"/>
+    <p:sldId id="271" r:id="rId15"/>
+    <p:sldId id="264" r:id="rId16"/>
+    <p:sldId id="261" r:id="rId17"/>
+    <p:sldId id="266" r:id="rId18"/>
   </p:sldIdLst>
   <p:sldSz cx="9144000" cy="6858000" type="screen4x3"/>
   <p:notesSz cx="6858000" cy="9144000"/>
@@ -300,7 +302,7 @@
             <a:fld id="{8ACDB3CC-F982-40F9-8DD6-BCC9AFBF44BD}" type="datetime1">
               <a:rPr lang="en-US" smtClean="0"/>
               <a:pPr/>
-              <a:t>6/15/16</a:t>
+              <a:t>6/16/16</a:t>
             </a:fld>
             <a:endParaRPr lang="en-US" dirty="0"/>
           </a:p>
@@ -470,7 +472,7 @@
           <a:p>
             <a:fld id="{68C2560D-EC28-3B41-86E8-18F1CE0113B4}" type="datetimeFigureOut">
               <a:rPr lang="en-US" smtClean="0"/>
-              <a:t>6/15/16</a:t>
+              <a:t>6/16/16</a:t>
             </a:fld>
             <a:endParaRPr lang="en-US"/>
           </a:p>
@@ -650,7 +652,7 @@
           <a:p>
             <a:fld id="{68C2560D-EC28-3B41-86E8-18F1CE0113B4}" type="datetimeFigureOut">
               <a:rPr lang="en-US" smtClean="0"/>
-              <a:t>6/15/16</a:t>
+              <a:t>6/16/16</a:t>
             </a:fld>
             <a:endParaRPr lang="en-US"/>
           </a:p>
@@ -820,7 +822,7 @@
           <a:p>
             <a:fld id="{68C2560D-EC28-3B41-86E8-18F1CE0113B4}" type="datetimeFigureOut">
               <a:rPr lang="en-US" smtClean="0"/>
-              <a:t>6/15/16</a:t>
+              <a:t>6/16/16</a:t>
             </a:fld>
             <a:endParaRPr lang="en-US"/>
           </a:p>
@@ -1067,7 +1069,7 @@
             <a:fld id="{4A9E7B99-7C3F-4BC3-B7B8-7E1F8C620B24}" type="datetime1">
               <a:rPr lang="en-US" smtClean="0"/>
               <a:pPr/>
-              <a:t>6/15/16</a:t>
+              <a:t>6/16/16</a:t>
             </a:fld>
             <a:endParaRPr lang="en-US"/>
           </a:p>
@@ -1356,7 +1358,7 @@
           <a:p>
             <a:fld id="{68C2560D-EC28-3B41-86E8-18F1CE0113B4}" type="datetimeFigureOut">
               <a:rPr lang="en-US" smtClean="0"/>
-              <a:t>6/15/16</a:t>
+              <a:t>6/16/16</a:t>
             </a:fld>
             <a:endParaRPr lang="en-US"/>
           </a:p>
@@ -1778,7 +1780,7 @@
           <a:p>
             <a:fld id="{68C2560D-EC28-3B41-86E8-18F1CE0113B4}" type="datetimeFigureOut">
               <a:rPr lang="en-US" smtClean="0"/>
-              <a:t>6/15/16</a:t>
+              <a:t>6/16/16</a:t>
             </a:fld>
             <a:endParaRPr lang="en-US"/>
           </a:p>
@@ -1896,7 +1898,7 @@
           <a:p>
             <a:fld id="{68C2560D-EC28-3B41-86E8-18F1CE0113B4}" type="datetimeFigureOut">
               <a:rPr lang="en-US" smtClean="0"/>
-              <a:t>6/15/16</a:t>
+              <a:t>6/16/16</a:t>
             </a:fld>
             <a:endParaRPr lang="en-US"/>
           </a:p>
@@ -1991,7 +1993,7 @@
           <a:p>
             <a:fld id="{68C2560D-EC28-3B41-86E8-18F1CE0113B4}" type="datetimeFigureOut">
               <a:rPr lang="en-US" smtClean="0"/>
-              <a:t>6/15/16</a:t>
+              <a:t>6/16/16</a:t>
             </a:fld>
             <a:endParaRPr lang="en-US"/>
           </a:p>
@@ -2268,7 +2270,7 @@
           <a:p>
             <a:fld id="{68C2560D-EC28-3B41-86E8-18F1CE0113B4}" type="datetimeFigureOut">
               <a:rPr lang="en-US" smtClean="0"/>
-              <a:t>6/15/16</a:t>
+              <a:t>6/16/16</a:t>
             </a:fld>
             <a:endParaRPr lang="en-US"/>
           </a:p>
@@ -2528,7 +2530,7 @@
           <a:p>
             <a:fld id="{68C2560D-EC28-3B41-86E8-18F1CE0113B4}" type="datetimeFigureOut">
               <a:rPr lang="en-US" smtClean="0"/>
-              <a:t>6/15/16</a:t>
+              <a:t>6/16/16</a:t>
             </a:fld>
             <a:endParaRPr lang="en-US"/>
           </a:p>
@@ -2741,7 +2743,7 @@
           <a:p>
             <a:fld id="{68C2560D-EC28-3B41-86E8-18F1CE0113B4}" type="datetimeFigureOut">
               <a:rPr lang="en-US" smtClean="0"/>
-              <a:t>6/15/16</a:t>
+              <a:t>6/16/16</a:t>
             </a:fld>
             <a:endParaRPr lang="en-US"/>
           </a:p>
@@ -3260,6 +3262,380 @@
           <a:chExt cx="0" cy="0"/>
         </a:xfrm>
       </p:grpSpPr>
+      <p:sp>
+        <p:nvSpPr>
+          <p:cNvPr id="2" name="Title 1"/>
+          <p:cNvSpPr>
+            <a:spLocks noGrp="1"/>
+          </p:cNvSpPr>
+          <p:nvPr>
+            <p:ph type="title"/>
+          </p:nvPr>
+        </p:nvSpPr>
+        <p:spPr/>
+        <p:txBody>
+          <a:bodyPr/>
+          <a:lstStyle/>
+          <a:p>
+            <a:r>
+              <a:rPr lang="en-US" dirty="0" smtClean="0"/>
+              <a:t>Client – Getting Data Out</a:t>
+            </a:r>
+            <a:endParaRPr lang="en-US" dirty="0"/>
+          </a:p>
+        </p:txBody>
+      </p:sp>
+      <p:sp>
+        <p:nvSpPr>
+          <p:cNvPr id="3" name="Content Placeholder 2"/>
+          <p:cNvSpPr>
+            <a:spLocks noGrp="1"/>
+          </p:cNvSpPr>
+          <p:nvPr>
+            <p:ph idx="1"/>
+          </p:nvPr>
+        </p:nvSpPr>
+        <p:spPr/>
+        <p:txBody>
+          <a:bodyPr>
+            <a:normAutofit lnSpcReduction="10000"/>
+          </a:bodyPr>
+          <a:lstStyle/>
+          <a:p>
+            <a:r>
+              <a:rPr lang="en-US" dirty="0" smtClean="0"/>
+              <a:t>Fetch queries once</a:t>
+            </a:r>
+          </a:p>
+          <a:p>
+            <a:pPr marL="0" indent="0">
+              <a:buNone/>
+            </a:pPr>
+            <a:r>
+              <a:rPr lang="en-US" dirty="0" smtClean="0"/>
+              <a:t>my</a:t>
+            </a:r>
+            <a:r>
+              <a:rPr lang="en-US" dirty="0"/>
+              <a:t>-collection(</a:t>
+            </a:r>
+            <a:r>
+              <a:rPr lang="en-US" dirty="0" smtClean="0"/>
+              <a:t>)</a:t>
+            </a:r>
+          </a:p>
+          <a:p>
+            <a:pPr marL="0" indent="0">
+              <a:buNone/>
+            </a:pPr>
+            <a:r>
+              <a:rPr lang="en-US" dirty="0" smtClean="0"/>
+              <a:t>	.</a:t>
+            </a:r>
+            <a:r>
+              <a:rPr lang="en-US" dirty="0"/>
+              <a:t>fetch(</a:t>
+            </a:r>
+            <a:r>
+              <a:rPr lang="en-US" dirty="0" smtClean="0"/>
+              <a:t>)</a:t>
+            </a:r>
+          </a:p>
+          <a:p>
+            <a:pPr marL="0" indent="0">
+              <a:buNone/>
+            </a:pPr>
+            <a:r>
+              <a:rPr lang="en-US" dirty="0" smtClean="0"/>
+              <a:t>	.</a:t>
+            </a:r>
+            <a:r>
+              <a:rPr lang="en-US" dirty="0"/>
+              <a:t>subscribe(</a:t>
+            </a:r>
+          </a:p>
+          <a:p>
+            <a:pPr marL="0" indent="0">
+              <a:buNone/>
+            </a:pPr>
+            <a:r>
+              <a:rPr lang="en-US" dirty="0" smtClean="0"/>
+              <a:t>	    </a:t>
+            </a:r>
+            <a:r>
+              <a:rPr lang="en-US" dirty="0"/>
+              <a:t>result =&gt; </a:t>
+            </a:r>
+            <a:r>
+              <a:rPr lang="en-US" dirty="0" err="1"/>
+              <a:t>console.log</a:t>
+            </a:r>
+            <a:r>
+              <a:rPr lang="en-US" dirty="0"/>
+              <a:t>('Result:', result),</a:t>
+            </a:r>
+          </a:p>
+          <a:p>
+            <a:pPr marL="0" indent="0">
+              <a:buNone/>
+            </a:pPr>
+            <a:r>
+              <a:rPr lang="en-US" dirty="0" smtClean="0"/>
+              <a:t>	    </a:t>
+            </a:r>
+            <a:r>
+              <a:rPr lang="en-US" dirty="0"/>
+              <a:t>err =&gt; </a:t>
+            </a:r>
+            <a:r>
+              <a:rPr lang="en-US" dirty="0" err="1"/>
+              <a:t>console.error</a:t>
+            </a:r>
+            <a:r>
+              <a:rPr lang="en-US" dirty="0"/>
+              <a:t>(err),</a:t>
+            </a:r>
+          </a:p>
+          <a:p>
+            <a:pPr marL="0" indent="0">
+              <a:buNone/>
+            </a:pPr>
+            <a:r>
+              <a:rPr lang="en-US" dirty="0" smtClean="0"/>
+              <a:t>	    </a:t>
+            </a:r>
+            <a:r>
+              <a:rPr lang="en-US" dirty="0"/>
+              <a:t>() =&gt; </a:t>
+            </a:r>
+            <a:r>
+              <a:rPr lang="en-US" dirty="0" err="1"/>
+              <a:t>console.log</a:t>
+            </a:r>
+            <a:r>
+              <a:rPr lang="en-US" dirty="0"/>
+              <a:t>('Results fetched')</a:t>
+            </a:r>
+          </a:p>
+          <a:p>
+            <a:pPr marL="0" indent="0">
+              <a:buNone/>
+            </a:pPr>
+            <a:r>
+              <a:rPr lang="en-US" dirty="0"/>
+              <a:t>);</a:t>
+            </a:r>
+            <a:endParaRPr lang="en-US" dirty="0"/>
+          </a:p>
+        </p:txBody>
+      </p:sp>
+    </p:spTree>
+    <p:extLst>
+      <p:ext uri="{BB962C8B-B14F-4D97-AF65-F5344CB8AC3E}">
+        <p14:creationId xmlns:p14="http://schemas.microsoft.com/office/powerpoint/2010/main" val="61141430"/>
+      </p:ext>
+    </p:extLst>
+  </p:cSld>
+  <p:clrMapOvr>
+    <a:masterClrMapping/>
+  </p:clrMapOvr>
+</p:sld>
+</file>
+
+<file path=ppt/slides/slide11.xml><?xml version="1.0" encoding="utf-8"?>
+<p:sld xmlns:a="http://schemas.openxmlformats.org/drawingml/2006/main" xmlns:r="http://schemas.openxmlformats.org/officeDocument/2006/relationships" xmlns:p="http://schemas.openxmlformats.org/presentationml/2006/main">
+  <p:cSld>
+    <p:spTree>
+      <p:nvGrpSpPr>
+        <p:cNvPr id="1" name=""/>
+        <p:cNvGrpSpPr/>
+        <p:nvPr/>
+      </p:nvGrpSpPr>
+      <p:grpSpPr>
+        <a:xfrm>
+          <a:off x="0" y="0"/>
+          <a:ext cx="0" cy="0"/>
+          <a:chOff x="0" y="0"/>
+          <a:chExt cx="0" cy="0"/>
+        </a:xfrm>
+      </p:grpSpPr>
+      <p:sp>
+        <p:nvSpPr>
+          <p:cNvPr id="2" name="Title 1"/>
+          <p:cNvSpPr>
+            <a:spLocks noGrp="1"/>
+          </p:cNvSpPr>
+          <p:nvPr>
+            <p:ph type="title"/>
+          </p:nvPr>
+        </p:nvSpPr>
+        <p:spPr/>
+        <p:txBody>
+          <a:bodyPr/>
+          <a:lstStyle/>
+          <a:p>
+            <a:r>
+              <a:rPr lang="en-US" dirty="0" smtClean="0"/>
+              <a:t>Client – Getting Data Out</a:t>
+            </a:r>
+            <a:endParaRPr lang="en-US" dirty="0"/>
+          </a:p>
+        </p:txBody>
+      </p:sp>
+      <p:sp>
+        <p:nvSpPr>
+          <p:cNvPr id="3" name="Content Placeholder 2"/>
+          <p:cNvSpPr>
+            <a:spLocks noGrp="1"/>
+          </p:cNvSpPr>
+          <p:nvPr>
+            <p:ph idx="1"/>
+          </p:nvPr>
+        </p:nvSpPr>
+        <p:spPr/>
+        <p:txBody>
+          <a:bodyPr>
+            <a:normAutofit lnSpcReduction="10000"/>
+          </a:bodyPr>
+          <a:lstStyle/>
+          <a:p>
+            <a:r>
+              <a:rPr lang="en-US" dirty="0" smtClean="0"/>
+              <a:t>Watch streams any changes to Observable</a:t>
+            </a:r>
+          </a:p>
+          <a:p>
+            <a:pPr marL="0" indent="0">
+              <a:buNone/>
+            </a:pPr>
+            <a:r>
+              <a:rPr lang="en-US" dirty="0" smtClean="0"/>
+              <a:t>my</a:t>
+            </a:r>
+            <a:r>
+              <a:rPr lang="en-US" dirty="0"/>
+              <a:t>-collection(</a:t>
+            </a:r>
+            <a:r>
+              <a:rPr lang="en-US" dirty="0" smtClean="0"/>
+              <a:t>)</a:t>
+            </a:r>
+          </a:p>
+          <a:p>
+            <a:pPr marL="0" indent="0">
+              <a:buNone/>
+            </a:pPr>
+            <a:r>
+              <a:rPr lang="en-US" dirty="0" smtClean="0"/>
+              <a:t>.watch()</a:t>
+            </a:r>
+          </a:p>
+          <a:p>
+            <a:pPr marL="0" indent="0">
+              <a:buNone/>
+            </a:pPr>
+            <a:r>
+              <a:rPr lang="en-US" dirty="0" smtClean="0"/>
+              <a:t>.subscribe</a:t>
+            </a:r>
+            <a:r>
+              <a:rPr lang="en-US" dirty="0"/>
+              <a:t>(</a:t>
+            </a:r>
+          </a:p>
+          <a:p>
+            <a:pPr marL="0" indent="0">
+              <a:buNone/>
+            </a:pPr>
+            <a:r>
+              <a:rPr lang="en-US" dirty="0"/>
+              <a:t>    result =&gt; </a:t>
+            </a:r>
+            <a:r>
+              <a:rPr lang="en-US" dirty="0" err="1"/>
+              <a:t>console.log</a:t>
+            </a:r>
+            <a:r>
+              <a:rPr lang="en-US" dirty="0"/>
+              <a:t>('Result:', result),</a:t>
+            </a:r>
+          </a:p>
+          <a:p>
+            <a:pPr marL="0" indent="0">
+              <a:buNone/>
+            </a:pPr>
+            <a:r>
+              <a:rPr lang="en-US" dirty="0"/>
+              <a:t>    err =&gt; </a:t>
+            </a:r>
+            <a:r>
+              <a:rPr lang="en-US" dirty="0" err="1"/>
+              <a:t>console.error</a:t>
+            </a:r>
+            <a:r>
+              <a:rPr lang="en-US" dirty="0"/>
+              <a:t>(err),</a:t>
+            </a:r>
+          </a:p>
+          <a:p>
+            <a:pPr marL="0" indent="0">
+              <a:buNone/>
+            </a:pPr>
+            <a:r>
+              <a:rPr lang="en-US" dirty="0"/>
+              <a:t>    () =&gt; </a:t>
+            </a:r>
+            <a:r>
+              <a:rPr lang="en-US" dirty="0" err="1"/>
+              <a:t>console.log</a:t>
+            </a:r>
+            <a:r>
+              <a:rPr lang="en-US" dirty="0"/>
+              <a:t>('Results fetched')</a:t>
+            </a:r>
+          </a:p>
+          <a:p>
+            <a:pPr marL="0" indent="0">
+              <a:buNone/>
+            </a:pPr>
+            <a:r>
+              <a:rPr lang="en-US" dirty="0"/>
+              <a:t>);</a:t>
+            </a:r>
+            <a:endParaRPr lang="en-US" dirty="0"/>
+          </a:p>
+        </p:txBody>
+      </p:sp>
+    </p:spTree>
+    <p:extLst>
+      <p:ext uri="{BB962C8B-B14F-4D97-AF65-F5344CB8AC3E}">
+        <p14:creationId xmlns:p14="http://schemas.microsoft.com/office/powerpoint/2010/main" val="3172186528"/>
+      </p:ext>
+    </p:extLst>
+  </p:cSld>
+  <p:clrMapOvr>
+    <a:masterClrMapping/>
+  </p:clrMapOvr>
+</p:sld>
+</file>
+
+<file path=ppt/slides/slide12.xml><?xml version="1.0" encoding="utf-8"?>
+<p:sld xmlns:a="http://schemas.openxmlformats.org/drawingml/2006/main" xmlns:r="http://schemas.openxmlformats.org/officeDocument/2006/relationships" xmlns:p="http://schemas.openxmlformats.org/presentationml/2006/main">
+  <p:cSld>
+    <p:spTree>
+      <p:nvGrpSpPr>
+        <p:cNvPr id="1" name=""/>
+        <p:cNvGrpSpPr/>
+        <p:nvPr/>
+      </p:nvGrpSpPr>
+      <p:grpSpPr>
+        <a:xfrm>
+          <a:off x="0" y="0"/>
+          <a:ext cx="0" cy="0"/>
+          <a:chOff x="0" y="0"/>
+          <a:chExt cx="0" cy="0"/>
+        </a:xfrm>
+      </p:grpSpPr>
       <p:pic>
         <p:nvPicPr>
           <p:cNvPr id="5" name="Picture 4"/>
@@ -3404,7 +3780,7 @@
 </p:sld>
 </file>
 
-<file path=ppt/slides/slide11.xml><?xml version="1.0" encoding="utf-8"?>
+<file path=ppt/slides/slide13.xml><?xml version="1.0" encoding="utf-8"?>
 <p:sld xmlns:a="http://schemas.openxmlformats.org/drawingml/2006/main" xmlns:r="http://schemas.openxmlformats.org/officeDocument/2006/relationships" xmlns:p="http://schemas.openxmlformats.org/presentationml/2006/main">
   <p:cSld>
     <p:spTree>
@@ -3488,7 +3864,7 @@
 </p:sld>
 </file>
 
-<file path=ppt/slides/slide12.xml><?xml version="1.0" encoding="utf-8"?>
+<file path=ppt/slides/slide14.xml><?xml version="1.0" encoding="utf-8"?>
 <p:sld xmlns:a="http://schemas.openxmlformats.org/drawingml/2006/main" xmlns:r="http://schemas.openxmlformats.org/officeDocument/2006/relationships" xmlns:p="http://schemas.openxmlformats.org/presentationml/2006/main">
   <p:cSld>
     <p:spTree>
@@ -4785,6 +5161,38 @@
           <a:bodyPr/>
           <a:lstStyle/>
           <a:p>
+            <a:r>
+              <a:rPr lang="en-US" dirty="0" smtClean="0"/>
+              <a:t>Interact via the CLI</a:t>
+            </a:r>
+          </a:p>
+          <a:p>
+            <a:r>
+              <a:rPr lang="en-US" dirty="0" err="1" smtClean="0"/>
+              <a:t>Config</a:t>
+            </a:r>
+            <a:r>
+              <a:rPr lang="en-US" dirty="0" smtClean="0"/>
+              <a:t> files written in TOML</a:t>
+            </a:r>
+          </a:p>
+          <a:p>
+            <a:pPr lvl="1"/>
+            <a:r>
+              <a:rPr lang="en-US" dirty="0" err="1" smtClean="0"/>
+              <a:t>config.toml</a:t>
+            </a:r>
+            <a:r>
+              <a:rPr lang="en-US" dirty="0" smtClean="0"/>
+              <a:t>: server configuration</a:t>
+            </a:r>
+          </a:p>
+          <a:p>
+            <a:pPr lvl="1"/>
+            <a:r>
+              <a:rPr lang="en-US" dirty="0" smtClean="0"/>
+              <a:t>Schema files for security whitelist and validator functions</a:t>
+            </a:r>
             <a:endParaRPr lang="en-US" dirty="0"/>
           </a:p>
         </p:txBody>
@@ -4856,10 +5264,194 @@
         </p:nvSpPr>
         <p:spPr/>
         <p:txBody>
-          <a:bodyPr/>
-          <a:lstStyle/>
-          <a:p>
-            <a:endParaRPr lang="en-US"/>
+          <a:bodyPr>
+            <a:normAutofit fontScale="70000" lnSpcReduction="20000"/>
+          </a:bodyPr>
+          <a:lstStyle/>
+          <a:p>
+            <a:pPr marL="0" indent="0">
+              <a:buNone/>
+            </a:pPr>
+            <a:r>
+              <a:rPr lang="en-US" dirty="0"/>
+              <a:t>// Horizon connection</a:t>
+            </a:r>
+          </a:p>
+          <a:p>
+            <a:pPr marL="0" indent="0">
+              <a:buNone/>
+            </a:pPr>
+            <a:r>
+              <a:rPr lang="en-US" dirty="0" err="1"/>
+              <a:t>const</a:t>
+            </a:r>
+            <a:r>
+              <a:rPr lang="en-US" dirty="0"/>
+              <a:t> Horizon = require("horizon");</a:t>
+            </a:r>
+          </a:p>
+          <a:p>
+            <a:pPr marL="0" indent="0">
+              <a:buNone/>
+            </a:pPr>
+            <a:r>
+              <a:rPr lang="en-US" dirty="0" err="1"/>
+              <a:t>const</a:t>
+            </a:r>
+            <a:r>
+              <a:rPr lang="en-US" dirty="0"/>
+              <a:t> </a:t>
+            </a:r>
+            <a:r>
+              <a:rPr lang="en-US" dirty="0" err="1"/>
+              <a:t>hz</a:t>
+            </a:r>
+            <a:r>
+              <a:rPr lang="en-US" dirty="0"/>
+              <a:t> = Horizon();</a:t>
+            </a:r>
+          </a:p>
+          <a:p>
+            <a:pPr marL="0" indent="0">
+              <a:buNone/>
+            </a:pPr>
+            <a:endParaRPr lang="en-US" dirty="0"/>
+          </a:p>
+          <a:p>
+            <a:pPr marL="0" indent="0">
+              <a:buNone/>
+            </a:pPr>
+            <a:r>
+              <a:rPr lang="en-US" dirty="0"/>
+              <a:t>// Reference to Collection</a:t>
+            </a:r>
+          </a:p>
+          <a:p>
+            <a:pPr marL="0" indent="0">
+              <a:buNone/>
+            </a:pPr>
+            <a:r>
+              <a:rPr lang="en-US" dirty="0" err="1"/>
+              <a:t>const</a:t>
+            </a:r>
+            <a:r>
+              <a:rPr lang="en-US" dirty="0"/>
+              <a:t> </a:t>
+            </a:r>
+            <a:r>
+              <a:rPr lang="en-US" dirty="0" err="1"/>
+              <a:t>myCollection</a:t>
+            </a:r>
+            <a:r>
+              <a:rPr lang="en-US" dirty="0"/>
+              <a:t> = </a:t>
+            </a:r>
+            <a:r>
+              <a:rPr lang="en-US" dirty="0" err="1"/>
+              <a:t>hz</a:t>
+            </a:r>
+            <a:r>
+              <a:rPr lang="en-US" dirty="0"/>
+              <a:t>("my-collection");</a:t>
+            </a:r>
+          </a:p>
+          <a:p>
+            <a:pPr marL="0" indent="0">
+              <a:buNone/>
+            </a:pPr>
+            <a:endParaRPr lang="en-US" dirty="0"/>
+          </a:p>
+          <a:p>
+            <a:pPr marL="0" indent="0">
+              <a:buNone/>
+            </a:pPr>
+            <a:r>
+              <a:rPr lang="en-US" dirty="0"/>
+              <a:t>// Store Record in Collection</a:t>
+            </a:r>
+          </a:p>
+          <a:p>
+            <a:pPr marL="0" indent="0">
+              <a:buNone/>
+            </a:pPr>
+            <a:r>
+              <a:rPr lang="en-US" dirty="0" err="1"/>
+              <a:t>myCollection.store</a:t>
+            </a:r>
+            <a:r>
+              <a:rPr lang="en-US" dirty="0"/>
+              <a:t>({</a:t>
+            </a:r>
+          </a:p>
+          <a:p>
+            <a:pPr marL="0" indent="0">
+              <a:buNone/>
+            </a:pPr>
+            <a:r>
+              <a:rPr lang="en-US" dirty="0"/>
+              <a:t>    id:1,</a:t>
+            </a:r>
+          </a:p>
+          <a:p>
+            <a:pPr marL="0" indent="0">
+              <a:buNone/>
+            </a:pPr>
+            <a:r>
+              <a:rPr lang="en-US" dirty="0"/>
+              <a:t>    </a:t>
+            </a:r>
+            <a:r>
+              <a:rPr lang="en-US" dirty="0" err="1"/>
+              <a:t>foo:'bar</a:t>
+            </a:r>
+            <a:r>
+              <a:rPr lang="en-US" dirty="0"/>
+              <a:t>',</a:t>
+            </a:r>
+          </a:p>
+          <a:p>
+            <a:pPr marL="0" indent="0">
+              <a:buNone/>
+            </a:pPr>
+            <a:r>
+              <a:rPr lang="en-US" dirty="0"/>
+              <a:t>    </a:t>
+            </a:r>
+            <a:r>
+              <a:rPr lang="en-US" dirty="0" err="1"/>
+              <a:t>baz</a:t>
+            </a:r>
+            <a:r>
+              <a:rPr lang="en-US" dirty="0"/>
+              <a:t>:'</a:t>
+            </a:r>
+            <a:r>
+              <a:rPr lang="en-US" dirty="0" err="1"/>
+              <a:t>zoinks</a:t>
+            </a:r>
+            <a:r>
+              <a:rPr lang="en-US" dirty="0"/>
+              <a:t>'</a:t>
+            </a:r>
+          </a:p>
+          <a:p>
+            <a:pPr marL="0" indent="0">
+              <a:buNone/>
+            </a:pPr>
+            <a:r>
+              <a:rPr lang="en-US" dirty="0"/>
+              <a:t>})</a:t>
+            </a:r>
+            <a:r>
+              <a:rPr lang="en-US" dirty="0" smtClean="0"/>
+              <a:t>;</a:t>
+            </a:r>
+          </a:p>
+          <a:p>
+            <a:pPr marL="0" indent="0">
+              <a:buNone/>
+            </a:pPr>
+            <a:endParaRPr lang="en-US" dirty="0"/>
           </a:p>
         </p:txBody>
       </p:sp>
@@ -4905,12 +5497,14 @@
         </p:nvSpPr>
         <p:spPr/>
         <p:txBody>
-          <a:bodyPr/>
-          <a:lstStyle/>
-          <a:p>
-            <a:r>
-              <a:rPr lang="en-US" dirty="0" smtClean="0"/>
-              <a:t>Client – Getting Data Out</a:t>
+          <a:bodyPr>
+            <a:normAutofit/>
+          </a:bodyPr>
+          <a:lstStyle/>
+          <a:p>
+            <a:r>
+              <a:rPr lang="en-US" dirty="0" smtClean="0"/>
+              <a:t>Client – Getting Data In</a:t>
             </a:r>
             <a:endParaRPr lang="en-US" dirty="0"/>
           </a:p>
@@ -4928,17 +5522,131 @@
         </p:nvSpPr>
         <p:spPr/>
         <p:txBody>
-          <a:bodyPr/>
-          <a:lstStyle/>
-          <a:p>
-            <a:endParaRPr lang="en-US"/>
+          <a:bodyPr>
+            <a:normAutofit/>
+          </a:bodyPr>
+          <a:lstStyle/>
+          <a:p>
+            <a:r>
+              <a:rPr lang="en-US" dirty="0" err="1" smtClean="0"/>
+              <a:t>Upsert</a:t>
+            </a:r>
+            <a:r>
+              <a:rPr lang="en-US" dirty="0" smtClean="0"/>
+              <a:t> – keys off id</a:t>
+            </a:r>
+            <a:endParaRPr lang="en-US" dirty="0"/>
+          </a:p>
+          <a:p>
+            <a:pPr marL="0" indent="0">
+              <a:buNone/>
+            </a:pPr>
+            <a:r>
+              <a:rPr lang="en-US" dirty="0"/>
+              <a:t>// Store Record in Collection</a:t>
+            </a:r>
+          </a:p>
+          <a:p>
+            <a:pPr marL="0" indent="0">
+              <a:buNone/>
+            </a:pPr>
+            <a:r>
+              <a:rPr lang="en-US" dirty="0" err="1" smtClean="0"/>
+              <a:t>myCollection.upsert</a:t>
+            </a:r>
+            <a:r>
+              <a:rPr lang="en-US" dirty="0" smtClean="0"/>
+              <a:t>(</a:t>
+            </a:r>
+            <a:r>
+              <a:rPr lang="en-US" dirty="0"/>
+              <a:t>{</a:t>
+            </a:r>
+          </a:p>
+          <a:p>
+            <a:pPr marL="0" indent="0">
+              <a:buNone/>
+            </a:pPr>
+            <a:r>
+              <a:rPr lang="en-US" dirty="0"/>
+              <a:t>    id:1,</a:t>
+            </a:r>
+          </a:p>
+          <a:p>
+            <a:pPr marL="0" indent="0">
+              <a:buNone/>
+            </a:pPr>
+            <a:r>
+              <a:rPr lang="en-US" dirty="0"/>
+              <a:t>    </a:t>
+            </a:r>
+            <a:r>
+              <a:rPr lang="en-US" dirty="0" err="1"/>
+              <a:t>foo</a:t>
+            </a:r>
+            <a:r>
+              <a:rPr lang="en-US" dirty="0" err="1" smtClean="0"/>
+              <a:t>:’new</a:t>
+            </a:r>
+            <a:r>
+              <a:rPr lang="en-US" dirty="0" smtClean="0"/>
+              <a:t> bar</a:t>
+            </a:r>
+            <a:r>
+              <a:rPr lang="en-US" dirty="0"/>
+              <a:t>',</a:t>
+            </a:r>
+          </a:p>
+          <a:p>
+            <a:pPr marL="0" indent="0">
+              <a:buNone/>
+            </a:pPr>
+            <a:r>
+              <a:rPr lang="en-US" dirty="0"/>
+              <a:t>    </a:t>
+            </a:r>
+            <a:r>
+              <a:rPr lang="en-US" dirty="0" err="1"/>
+              <a:t>baz</a:t>
+            </a:r>
+            <a:r>
+              <a:rPr lang="en-US" dirty="0" smtClean="0"/>
+              <a:t>:’ new </a:t>
+            </a:r>
+            <a:r>
+              <a:rPr lang="en-US" dirty="0" err="1" smtClean="0"/>
+              <a:t>zoinks</a:t>
+            </a:r>
+            <a:r>
+              <a:rPr lang="en-US" dirty="0"/>
+              <a:t>'</a:t>
+            </a:r>
+          </a:p>
+          <a:p>
+            <a:pPr marL="0" indent="0">
+              <a:buNone/>
+            </a:pPr>
+            <a:r>
+              <a:rPr lang="en-US" dirty="0"/>
+              <a:t>})</a:t>
+            </a:r>
+            <a:r>
+              <a:rPr lang="en-US" dirty="0" smtClean="0"/>
+              <a:t>;</a:t>
+            </a:r>
+          </a:p>
+          <a:p>
+            <a:pPr marL="0" indent="0">
+              <a:buNone/>
+            </a:pPr>
+            <a:endParaRPr lang="en-US" dirty="0"/>
           </a:p>
         </p:txBody>
       </p:sp>
     </p:spTree>
     <p:extLst>
       <p:ext uri="{BB962C8B-B14F-4D97-AF65-F5344CB8AC3E}">
-        <p14:creationId xmlns:p14="http://schemas.microsoft.com/office/powerpoint/2010/main" val="61141430"/>
+        <p14:creationId xmlns:p14="http://schemas.microsoft.com/office/powerpoint/2010/main" val="1552105246"/>
       </p:ext>
     </p:extLst>
   </p:cSld>
